--- a/ICTACT-Project Presentation.pptx
+++ b/ICTACT-Project Presentation.pptx
@@ -1104,7 +1104,7 @@
         </p:nvSpPr>
         <p:spPr>
           <a:xfrm>
-            <a:off x="381300" y="685800"/>
+            <a:off x="381000" y="685800"/>
             <a:ext cx="6096000" cy="3429000"/>
           </a:xfrm>
           <a:custGeom>
@@ -9681,10 +9681,10 @@
               <a:buNone/>
             </a:pPr>
             <a:r>
-              <a:rPr lang="en"/>
-              <a:t>TEAM MEMBER -1</a:t>
+              <a:rPr lang="en" dirty="0"/>
+              <a:t>TEAM MEMBER - 1</a:t>
             </a:r>
-            <a:endParaRPr/>
+            <a:endParaRPr dirty="0"/>
           </a:p>
         </p:txBody>
       </p:sp>
@@ -14286,7 +14286,7 @@
         <p:spPr>
           <a:xfrm>
             <a:off x="2443150" y="2460875"/>
-            <a:ext cx="1845600" cy="572700"/>
+            <a:ext cx="2392732" cy="572700"/>
           </a:xfrm>
           <a:prstGeom prst="ellipse">
             <a:avLst/>
@@ -14320,10 +14320,10 @@
               <a:buNone/>
             </a:pPr>
             <a:r>
-              <a:rPr lang="en"/>
-              <a:t> Basic Details</a:t>
+              <a:rPr lang="en" dirty="0"/>
+              <a:t> Education Details</a:t>
             </a:r>
-            <a:endParaRPr/>
+            <a:endParaRPr dirty="0"/>
           </a:p>
         </p:txBody>
       </p:sp>
@@ -14539,6 +14539,7 @@
         <p:nvCxnSpPr>
           <p:cNvPr id="113" name="Google Shape;113;p17"/>
           <p:cNvCxnSpPr>
+            <a:cxnSpLocks/>
             <a:stCxn id="107" idx="3"/>
             <a:endCxn id="108" idx="2"/>
           </p:cNvCxnSpPr>
@@ -14547,7 +14548,7 @@
         <p:spPr>
           <a:xfrm>
             <a:off x="2043750" y="2747225"/>
-            <a:ext cx="399300" cy="0"/>
+            <a:ext cx="399400" cy="0"/>
           </a:xfrm>
           <a:prstGeom prst="straightConnector1">
             <a:avLst/>
@@ -14692,8 +14693,8 @@
         </p:nvCxnSpPr>
         <p:spPr>
           <a:xfrm flipV="1">
-            <a:off x="3365950" y="1570990"/>
-            <a:ext cx="1061225" cy="889885"/>
+            <a:off x="3639516" y="1570990"/>
+            <a:ext cx="787659" cy="889885"/>
           </a:xfrm>
           <a:prstGeom prst="straightConnector1">
             <a:avLst/>
@@ -14735,8 +14736,8 @@
         </p:nvCxnSpPr>
         <p:spPr>
           <a:xfrm flipV="1">
-            <a:off x="4018468" y="2071478"/>
-            <a:ext cx="817414" cy="473267"/>
+            <a:off x="4485475" y="2071478"/>
+            <a:ext cx="350407" cy="473267"/>
           </a:xfrm>
           <a:prstGeom prst="straightConnector1">
             <a:avLst/>
@@ -14778,8 +14779,8 @@
         </p:nvCxnSpPr>
         <p:spPr>
           <a:xfrm flipV="1">
-            <a:off x="4288750" y="2538004"/>
-            <a:ext cx="1041909" cy="209221"/>
+            <a:off x="4835882" y="2538004"/>
+            <a:ext cx="494777" cy="209221"/>
           </a:xfrm>
           <a:prstGeom prst="straightConnector1">
             <a:avLst/>
@@ -14821,8 +14822,8 @@
         </p:nvCxnSpPr>
         <p:spPr>
           <a:xfrm>
-            <a:off x="4288750" y="2747225"/>
-            <a:ext cx="791654" cy="339435"/>
+            <a:off x="4835882" y="2747225"/>
+            <a:ext cx="244522" cy="339435"/>
           </a:xfrm>
           <a:prstGeom prst="straightConnector1">
             <a:avLst/>
@@ -14864,8 +14865,8 @@
         </p:nvCxnSpPr>
         <p:spPr>
           <a:xfrm>
-            <a:off x="4018468" y="2949705"/>
-            <a:ext cx="662784" cy="653085"/>
+            <a:off x="4485475" y="2949705"/>
+            <a:ext cx="195777" cy="653085"/>
           </a:xfrm>
           <a:prstGeom prst="straightConnector1">
             <a:avLst/>
@@ -14907,8 +14908,8 @@
         </p:nvCxnSpPr>
         <p:spPr>
           <a:xfrm>
-            <a:off x="3365950" y="3033575"/>
-            <a:ext cx="1142084" cy="1117971"/>
+            <a:off x="3639516" y="3033575"/>
+            <a:ext cx="868518" cy="1117971"/>
           </a:xfrm>
           <a:prstGeom prst="straightConnector1">
             <a:avLst/>
